--- a/ppt 16-9/0786.去经历神的同.pptx
+++ b/ppt 16-9/0786.去经历神的同.pptx
@@ -129,7 +129,7 @@
           <p:cNvPr id="2" name="标题 1">
             <a:extLst>
               <a:ext uri="{FF2B5EF4-FFF2-40B4-BE49-F238E27FC236}">
-                <a16:creationId xmlns:a16="http://schemas.microsoft.com/office/drawing/2014/main" id="{864FF337-1DDC-96A8-2F6A-45546CFDD967}"/>
+                <a16:creationId xmlns:a16="http://schemas.microsoft.com/office/drawing/2014/main" id="{158540C9-AAA7-D4DB-2342-FB8B3C6E6898}"/>
               </a:ext>
             </a:extLst>
           </p:cNvPr>
@@ -166,7 +166,7 @@
           <p:cNvPr id="3" name="副标题 2">
             <a:extLst>
               <a:ext uri="{FF2B5EF4-FFF2-40B4-BE49-F238E27FC236}">
-                <a16:creationId xmlns:a16="http://schemas.microsoft.com/office/drawing/2014/main" id="{F08575E8-98C9-2FD2-3BF4-23A34DFE5CD0}"/>
+                <a16:creationId xmlns:a16="http://schemas.microsoft.com/office/drawing/2014/main" id="{EB316B08-6CE5-4420-56B1-99F210EF9418}"/>
               </a:ext>
             </a:extLst>
           </p:cNvPr>
@@ -236,7 +236,7 @@
           <p:cNvPr id="4" name="日期占位符 3">
             <a:extLst>
               <a:ext uri="{FF2B5EF4-FFF2-40B4-BE49-F238E27FC236}">
-                <a16:creationId xmlns:a16="http://schemas.microsoft.com/office/drawing/2014/main" id="{04B7FF90-5A31-3D90-1A2B-1D60E82F5073}"/>
+                <a16:creationId xmlns:a16="http://schemas.microsoft.com/office/drawing/2014/main" id="{6D0AAE52-0AE4-2F1F-7915-14CFD1C6D99D}"/>
               </a:ext>
             </a:extLst>
           </p:cNvPr>
@@ -252,7 +252,7 @@
           <a:bodyPr/>
           <a:lstStyle/>
           <a:p>
-            <a:fld id="{1C1C2E01-1FBC-4B66-98FB-61EC8F4E5AD5}" type="datetimeFigureOut">
+            <a:fld id="{39B79C0F-DD95-42B5-B15E-1DD28A24F124}" type="datetimeFigureOut">
               <a:rPr lang="zh-CN" altLang="en-US" smtClean="0"/>
               <a:t>2024/3/10</a:t>
             </a:fld>
@@ -265,7 +265,7 @@
           <p:cNvPr id="5" name="页脚占位符 4">
             <a:extLst>
               <a:ext uri="{FF2B5EF4-FFF2-40B4-BE49-F238E27FC236}">
-                <a16:creationId xmlns:a16="http://schemas.microsoft.com/office/drawing/2014/main" id="{4148F0C0-99BF-BD3E-7E97-BB3EB93F70CA}"/>
+                <a16:creationId xmlns:a16="http://schemas.microsoft.com/office/drawing/2014/main" id="{71A086F8-921F-FE34-1643-D5B4E290DA32}"/>
               </a:ext>
             </a:extLst>
           </p:cNvPr>
@@ -290,7 +290,7 @@
           <p:cNvPr id="6" name="灯片编号占位符 5">
             <a:extLst>
               <a:ext uri="{FF2B5EF4-FFF2-40B4-BE49-F238E27FC236}">
-                <a16:creationId xmlns:a16="http://schemas.microsoft.com/office/drawing/2014/main" id="{FD787459-FEB6-8B28-F47F-741CB738DBDB}"/>
+                <a16:creationId xmlns:a16="http://schemas.microsoft.com/office/drawing/2014/main" id="{FD62B487-612E-D527-A4B4-9544308322C0}"/>
               </a:ext>
             </a:extLst>
           </p:cNvPr>
@@ -306,7 +306,7 @@
           <a:bodyPr/>
           <a:lstStyle/>
           <a:p>
-            <a:fld id="{787E1BD4-D010-4E41-907B-5CC9650609F2}" type="slidenum">
+            <a:fld id="{803B0F12-C325-49FA-A839-E084ABC02BA8}" type="slidenum">
               <a:rPr lang="zh-CN" altLang="en-US" smtClean="0"/>
               <a:t>‹#›</a:t>
             </a:fld>
@@ -317,7 +317,7 @@
     </p:spTree>
     <p:extLst>
       <p:ext uri="{BB962C8B-B14F-4D97-AF65-F5344CB8AC3E}">
-        <p14:creationId xmlns:p14="http://schemas.microsoft.com/office/powerpoint/2010/main" val="2297447719"/>
+        <p14:creationId xmlns:p14="http://schemas.microsoft.com/office/powerpoint/2010/main" val="3823128019"/>
       </p:ext>
     </p:extLst>
   </p:cSld>
@@ -349,7 +349,7 @@
           <p:cNvPr id="2" name="标题 1">
             <a:extLst>
               <a:ext uri="{FF2B5EF4-FFF2-40B4-BE49-F238E27FC236}">
-                <a16:creationId xmlns:a16="http://schemas.microsoft.com/office/drawing/2014/main" id="{3A7D7158-20F4-DF1E-4175-4D2442744C97}"/>
+                <a16:creationId xmlns:a16="http://schemas.microsoft.com/office/drawing/2014/main" id="{C6D52210-3A4A-0D57-FF27-4E2FE5A9551C}"/>
               </a:ext>
             </a:extLst>
           </p:cNvPr>
@@ -377,7 +377,7 @@
           <p:cNvPr id="3" name="竖排文字占位符 2">
             <a:extLst>
               <a:ext uri="{FF2B5EF4-FFF2-40B4-BE49-F238E27FC236}">
-                <a16:creationId xmlns:a16="http://schemas.microsoft.com/office/drawing/2014/main" id="{EFE9E998-790C-B194-BCB7-A514EB430D38}"/>
+                <a16:creationId xmlns:a16="http://schemas.microsoft.com/office/drawing/2014/main" id="{145960E1-66FD-E911-9A31-32FE58FD8982}"/>
               </a:ext>
             </a:extLst>
           </p:cNvPr>
@@ -434,7 +434,7 @@
           <p:cNvPr id="4" name="日期占位符 3">
             <a:extLst>
               <a:ext uri="{FF2B5EF4-FFF2-40B4-BE49-F238E27FC236}">
-                <a16:creationId xmlns:a16="http://schemas.microsoft.com/office/drawing/2014/main" id="{8E9F4B9E-3806-22DF-9E3D-07D090A12235}"/>
+                <a16:creationId xmlns:a16="http://schemas.microsoft.com/office/drawing/2014/main" id="{20334295-5CE9-2EAE-8797-1D4ED076B6F9}"/>
               </a:ext>
             </a:extLst>
           </p:cNvPr>
@@ -450,7 +450,7 @@
           <a:bodyPr/>
           <a:lstStyle/>
           <a:p>
-            <a:fld id="{1C1C2E01-1FBC-4B66-98FB-61EC8F4E5AD5}" type="datetimeFigureOut">
+            <a:fld id="{39B79C0F-DD95-42B5-B15E-1DD28A24F124}" type="datetimeFigureOut">
               <a:rPr lang="zh-CN" altLang="en-US" smtClean="0"/>
               <a:t>2024/3/10</a:t>
             </a:fld>
@@ -463,7 +463,7 @@
           <p:cNvPr id="5" name="页脚占位符 4">
             <a:extLst>
               <a:ext uri="{FF2B5EF4-FFF2-40B4-BE49-F238E27FC236}">
-                <a16:creationId xmlns:a16="http://schemas.microsoft.com/office/drawing/2014/main" id="{60F0814E-8624-FD5F-15E5-C904D5C646B6}"/>
+                <a16:creationId xmlns:a16="http://schemas.microsoft.com/office/drawing/2014/main" id="{D0385D6C-4454-42C9-19D1-2832DEB534B4}"/>
               </a:ext>
             </a:extLst>
           </p:cNvPr>
@@ -488,7 +488,7 @@
           <p:cNvPr id="6" name="灯片编号占位符 5">
             <a:extLst>
               <a:ext uri="{FF2B5EF4-FFF2-40B4-BE49-F238E27FC236}">
-                <a16:creationId xmlns:a16="http://schemas.microsoft.com/office/drawing/2014/main" id="{3B8F0E7F-61DD-C3B8-F745-62869C340FB3}"/>
+                <a16:creationId xmlns:a16="http://schemas.microsoft.com/office/drawing/2014/main" id="{E901F9C6-4C9B-BC25-0A94-64D6A8B9607A}"/>
               </a:ext>
             </a:extLst>
           </p:cNvPr>
@@ -504,7 +504,7 @@
           <a:bodyPr/>
           <a:lstStyle/>
           <a:p>
-            <a:fld id="{787E1BD4-D010-4E41-907B-5CC9650609F2}" type="slidenum">
+            <a:fld id="{803B0F12-C325-49FA-A839-E084ABC02BA8}" type="slidenum">
               <a:rPr lang="zh-CN" altLang="en-US" smtClean="0"/>
               <a:t>‹#›</a:t>
             </a:fld>
@@ -515,7 +515,7 @@
     </p:spTree>
     <p:extLst>
       <p:ext uri="{BB962C8B-B14F-4D97-AF65-F5344CB8AC3E}">
-        <p14:creationId xmlns:p14="http://schemas.microsoft.com/office/powerpoint/2010/main" val="3108149445"/>
+        <p14:creationId xmlns:p14="http://schemas.microsoft.com/office/powerpoint/2010/main" val="2303996853"/>
       </p:ext>
     </p:extLst>
   </p:cSld>
@@ -547,7 +547,7 @@
           <p:cNvPr id="2" name="竖排标题 1">
             <a:extLst>
               <a:ext uri="{FF2B5EF4-FFF2-40B4-BE49-F238E27FC236}">
-                <a16:creationId xmlns:a16="http://schemas.microsoft.com/office/drawing/2014/main" id="{D9AC8D75-C606-CF09-184D-E5D32E62FF7D}"/>
+                <a16:creationId xmlns:a16="http://schemas.microsoft.com/office/drawing/2014/main" id="{6136B23E-33F3-A012-81FD-219D868FCE72}"/>
               </a:ext>
             </a:extLst>
           </p:cNvPr>
@@ -580,7 +580,7 @@
           <p:cNvPr id="3" name="竖排文字占位符 2">
             <a:extLst>
               <a:ext uri="{FF2B5EF4-FFF2-40B4-BE49-F238E27FC236}">
-                <a16:creationId xmlns:a16="http://schemas.microsoft.com/office/drawing/2014/main" id="{7C3A6ACF-F23B-85CD-147B-642F55EE7C9C}"/>
+                <a16:creationId xmlns:a16="http://schemas.microsoft.com/office/drawing/2014/main" id="{CB6051D8-2361-76AB-2E66-7A9A7F0B21DB}"/>
               </a:ext>
             </a:extLst>
           </p:cNvPr>
@@ -642,7 +642,7 @@
           <p:cNvPr id="4" name="日期占位符 3">
             <a:extLst>
               <a:ext uri="{FF2B5EF4-FFF2-40B4-BE49-F238E27FC236}">
-                <a16:creationId xmlns:a16="http://schemas.microsoft.com/office/drawing/2014/main" id="{87F2139F-5A4C-3D7C-3AC5-E26DE2CD1C27}"/>
+                <a16:creationId xmlns:a16="http://schemas.microsoft.com/office/drawing/2014/main" id="{7589BA7D-124B-6D36-9AE4-4FE5C7EC0D14}"/>
               </a:ext>
             </a:extLst>
           </p:cNvPr>
@@ -658,7 +658,7 @@
           <a:bodyPr/>
           <a:lstStyle/>
           <a:p>
-            <a:fld id="{1C1C2E01-1FBC-4B66-98FB-61EC8F4E5AD5}" type="datetimeFigureOut">
+            <a:fld id="{39B79C0F-DD95-42B5-B15E-1DD28A24F124}" type="datetimeFigureOut">
               <a:rPr lang="zh-CN" altLang="en-US" smtClean="0"/>
               <a:t>2024/3/10</a:t>
             </a:fld>
@@ -671,7 +671,7 @@
           <p:cNvPr id="5" name="页脚占位符 4">
             <a:extLst>
               <a:ext uri="{FF2B5EF4-FFF2-40B4-BE49-F238E27FC236}">
-                <a16:creationId xmlns:a16="http://schemas.microsoft.com/office/drawing/2014/main" id="{DEEF0745-4F3D-16DF-77F5-C86935680C84}"/>
+                <a16:creationId xmlns:a16="http://schemas.microsoft.com/office/drawing/2014/main" id="{C8A43887-F29C-80F0-FBEF-D612299F5E97}"/>
               </a:ext>
             </a:extLst>
           </p:cNvPr>
@@ -696,7 +696,7 @@
           <p:cNvPr id="6" name="灯片编号占位符 5">
             <a:extLst>
               <a:ext uri="{FF2B5EF4-FFF2-40B4-BE49-F238E27FC236}">
-                <a16:creationId xmlns:a16="http://schemas.microsoft.com/office/drawing/2014/main" id="{25BE2E71-6171-641C-352A-CEDBD024FF56}"/>
+                <a16:creationId xmlns:a16="http://schemas.microsoft.com/office/drawing/2014/main" id="{061C5925-DFDB-365B-247B-7BFAD67A050C}"/>
               </a:ext>
             </a:extLst>
           </p:cNvPr>
@@ -712,7 +712,7 @@
           <a:bodyPr/>
           <a:lstStyle/>
           <a:p>
-            <a:fld id="{787E1BD4-D010-4E41-907B-5CC9650609F2}" type="slidenum">
+            <a:fld id="{803B0F12-C325-49FA-A839-E084ABC02BA8}" type="slidenum">
               <a:rPr lang="zh-CN" altLang="en-US" smtClean="0"/>
               <a:t>‹#›</a:t>
             </a:fld>
@@ -723,7 +723,7 @@
     </p:spTree>
     <p:extLst>
       <p:ext uri="{BB962C8B-B14F-4D97-AF65-F5344CB8AC3E}">
-        <p14:creationId xmlns:p14="http://schemas.microsoft.com/office/powerpoint/2010/main" val="3820373388"/>
+        <p14:creationId xmlns:p14="http://schemas.microsoft.com/office/powerpoint/2010/main" val="1859475825"/>
       </p:ext>
     </p:extLst>
   </p:cSld>
@@ -755,7 +755,7 @@
           <p:cNvPr id="2" name="标题 1">
             <a:extLst>
               <a:ext uri="{FF2B5EF4-FFF2-40B4-BE49-F238E27FC236}">
-                <a16:creationId xmlns:a16="http://schemas.microsoft.com/office/drawing/2014/main" id="{A508569D-49EC-7051-E00F-C13F87B0EDFE}"/>
+                <a16:creationId xmlns:a16="http://schemas.microsoft.com/office/drawing/2014/main" id="{BA90ACE4-0778-A195-4E46-130EC1303916}"/>
               </a:ext>
             </a:extLst>
           </p:cNvPr>
@@ -783,7 +783,7 @@
           <p:cNvPr id="3" name="内容占位符 2">
             <a:extLst>
               <a:ext uri="{FF2B5EF4-FFF2-40B4-BE49-F238E27FC236}">
-                <a16:creationId xmlns:a16="http://schemas.microsoft.com/office/drawing/2014/main" id="{89A29E27-22CF-7B3A-D2DE-F42FB12F271C}"/>
+                <a16:creationId xmlns:a16="http://schemas.microsoft.com/office/drawing/2014/main" id="{5C1E3B00-B917-2E06-7232-632CFD0F91F5}"/>
               </a:ext>
             </a:extLst>
           </p:cNvPr>
@@ -840,7 +840,7 @@
           <p:cNvPr id="4" name="日期占位符 3">
             <a:extLst>
               <a:ext uri="{FF2B5EF4-FFF2-40B4-BE49-F238E27FC236}">
-                <a16:creationId xmlns:a16="http://schemas.microsoft.com/office/drawing/2014/main" id="{E878DC39-AD7F-2C7F-1911-5B7CF9347F42}"/>
+                <a16:creationId xmlns:a16="http://schemas.microsoft.com/office/drawing/2014/main" id="{132D6E05-C7AE-5774-3F60-9DA9304AD104}"/>
               </a:ext>
             </a:extLst>
           </p:cNvPr>
@@ -856,7 +856,7 @@
           <a:bodyPr/>
           <a:lstStyle/>
           <a:p>
-            <a:fld id="{1C1C2E01-1FBC-4B66-98FB-61EC8F4E5AD5}" type="datetimeFigureOut">
+            <a:fld id="{39B79C0F-DD95-42B5-B15E-1DD28A24F124}" type="datetimeFigureOut">
               <a:rPr lang="zh-CN" altLang="en-US" smtClean="0"/>
               <a:t>2024/3/10</a:t>
             </a:fld>
@@ -869,7 +869,7 @@
           <p:cNvPr id="5" name="页脚占位符 4">
             <a:extLst>
               <a:ext uri="{FF2B5EF4-FFF2-40B4-BE49-F238E27FC236}">
-                <a16:creationId xmlns:a16="http://schemas.microsoft.com/office/drawing/2014/main" id="{664F7429-F683-8CD7-6E22-7D294E06AB64}"/>
+                <a16:creationId xmlns:a16="http://schemas.microsoft.com/office/drawing/2014/main" id="{1A64878C-4FBC-2B3B-8C3A-B6C6A8911320}"/>
               </a:ext>
             </a:extLst>
           </p:cNvPr>
@@ -894,7 +894,7 @@
           <p:cNvPr id="6" name="灯片编号占位符 5">
             <a:extLst>
               <a:ext uri="{FF2B5EF4-FFF2-40B4-BE49-F238E27FC236}">
-                <a16:creationId xmlns:a16="http://schemas.microsoft.com/office/drawing/2014/main" id="{4E22F91E-0982-1DEF-5080-0E9A4272BA2A}"/>
+                <a16:creationId xmlns:a16="http://schemas.microsoft.com/office/drawing/2014/main" id="{6BBEDFDE-72C2-B953-A618-19E77904CC90}"/>
               </a:ext>
             </a:extLst>
           </p:cNvPr>
@@ -910,7 +910,7 @@
           <a:bodyPr/>
           <a:lstStyle/>
           <a:p>
-            <a:fld id="{787E1BD4-D010-4E41-907B-5CC9650609F2}" type="slidenum">
+            <a:fld id="{803B0F12-C325-49FA-A839-E084ABC02BA8}" type="slidenum">
               <a:rPr lang="zh-CN" altLang="en-US" smtClean="0"/>
               <a:t>‹#›</a:t>
             </a:fld>
@@ -921,7 +921,7 @@
     </p:spTree>
     <p:extLst>
       <p:ext uri="{BB962C8B-B14F-4D97-AF65-F5344CB8AC3E}">
-        <p14:creationId xmlns:p14="http://schemas.microsoft.com/office/powerpoint/2010/main" val="1876496788"/>
+        <p14:creationId xmlns:p14="http://schemas.microsoft.com/office/powerpoint/2010/main" val="1384838543"/>
       </p:ext>
     </p:extLst>
   </p:cSld>
@@ -953,7 +953,7 @@
           <p:cNvPr id="2" name="标题 1">
             <a:extLst>
               <a:ext uri="{FF2B5EF4-FFF2-40B4-BE49-F238E27FC236}">
-                <a16:creationId xmlns:a16="http://schemas.microsoft.com/office/drawing/2014/main" id="{61E8A74E-ADA3-EC40-6FAC-A1B17881147A}"/>
+                <a16:creationId xmlns:a16="http://schemas.microsoft.com/office/drawing/2014/main" id="{455211D1-1FEB-1C54-FD9A-54CE4019BB20}"/>
               </a:ext>
             </a:extLst>
           </p:cNvPr>
@@ -990,7 +990,7 @@
           <p:cNvPr id="3" name="文本占位符 2">
             <a:extLst>
               <a:ext uri="{FF2B5EF4-FFF2-40B4-BE49-F238E27FC236}">
-                <a16:creationId xmlns:a16="http://schemas.microsoft.com/office/drawing/2014/main" id="{86D54809-86E5-C653-8196-6BE7A87ED2BF}"/>
+                <a16:creationId xmlns:a16="http://schemas.microsoft.com/office/drawing/2014/main" id="{34F94249-5E97-EC2D-441D-E3B2D9EDD0BD}"/>
               </a:ext>
             </a:extLst>
           </p:cNvPr>
@@ -1115,7 +1115,7 @@
           <p:cNvPr id="4" name="日期占位符 3">
             <a:extLst>
               <a:ext uri="{FF2B5EF4-FFF2-40B4-BE49-F238E27FC236}">
-                <a16:creationId xmlns:a16="http://schemas.microsoft.com/office/drawing/2014/main" id="{981F591F-23C5-1225-FED9-17BDA0C99191}"/>
+                <a16:creationId xmlns:a16="http://schemas.microsoft.com/office/drawing/2014/main" id="{5CA9C194-90D1-A032-AA1C-22A11CA27871}"/>
               </a:ext>
             </a:extLst>
           </p:cNvPr>
@@ -1131,7 +1131,7 @@
           <a:bodyPr/>
           <a:lstStyle/>
           <a:p>
-            <a:fld id="{1C1C2E01-1FBC-4B66-98FB-61EC8F4E5AD5}" type="datetimeFigureOut">
+            <a:fld id="{39B79C0F-DD95-42B5-B15E-1DD28A24F124}" type="datetimeFigureOut">
               <a:rPr lang="zh-CN" altLang="en-US" smtClean="0"/>
               <a:t>2024/3/10</a:t>
             </a:fld>
@@ -1144,7 +1144,7 @@
           <p:cNvPr id="5" name="页脚占位符 4">
             <a:extLst>
               <a:ext uri="{FF2B5EF4-FFF2-40B4-BE49-F238E27FC236}">
-                <a16:creationId xmlns:a16="http://schemas.microsoft.com/office/drawing/2014/main" id="{07E919B8-5EF1-4C20-9916-83210C751FED}"/>
+                <a16:creationId xmlns:a16="http://schemas.microsoft.com/office/drawing/2014/main" id="{923BCCC6-EE88-AA5A-9A49-DBC404526107}"/>
               </a:ext>
             </a:extLst>
           </p:cNvPr>
@@ -1169,7 +1169,7 @@
           <p:cNvPr id="6" name="灯片编号占位符 5">
             <a:extLst>
               <a:ext uri="{FF2B5EF4-FFF2-40B4-BE49-F238E27FC236}">
-                <a16:creationId xmlns:a16="http://schemas.microsoft.com/office/drawing/2014/main" id="{3787FDC1-FA3C-75A0-499E-1C3DB1062C12}"/>
+                <a16:creationId xmlns:a16="http://schemas.microsoft.com/office/drawing/2014/main" id="{C4D9114D-FA30-4FEE-734F-1354AB3CA4BF}"/>
               </a:ext>
             </a:extLst>
           </p:cNvPr>
@@ -1185,7 +1185,7 @@
           <a:bodyPr/>
           <a:lstStyle/>
           <a:p>
-            <a:fld id="{787E1BD4-D010-4E41-907B-5CC9650609F2}" type="slidenum">
+            <a:fld id="{803B0F12-C325-49FA-A839-E084ABC02BA8}" type="slidenum">
               <a:rPr lang="zh-CN" altLang="en-US" smtClean="0"/>
               <a:t>‹#›</a:t>
             </a:fld>
@@ -1196,7 +1196,7 @@
     </p:spTree>
     <p:extLst>
       <p:ext uri="{BB962C8B-B14F-4D97-AF65-F5344CB8AC3E}">
-        <p14:creationId xmlns:p14="http://schemas.microsoft.com/office/powerpoint/2010/main" val="2567002580"/>
+        <p14:creationId xmlns:p14="http://schemas.microsoft.com/office/powerpoint/2010/main" val="2050905177"/>
       </p:ext>
     </p:extLst>
   </p:cSld>
@@ -1228,7 +1228,7 @@
           <p:cNvPr id="2" name="标题 1">
             <a:extLst>
               <a:ext uri="{FF2B5EF4-FFF2-40B4-BE49-F238E27FC236}">
-                <a16:creationId xmlns:a16="http://schemas.microsoft.com/office/drawing/2014/main" id="{B0E8C153-EB4C-BAB1-391C-3D68800E5027}"/>
+                <a16:creationId xmlns:a16="http://schemas.microsoft.com/office/drawing/2014/main" id="{D19FDEDE-C646-60A2-2F8A-6A253378F763}"/>
               </a:ext>
             </a:extLst>
           </p:cNvPr>
@@ -1256,7 +1256,7 @@
           <p:cNvPr id="3" name="内容占位符 2">
             <a:extLst>
               <a:ext uri="{FF2B5EF4-FFF2-40B4-BE49-F238E27FC236}">
-                <a16:creationId xmlns:a16="http://schemas.microsoft.com/office/drawing/2014/main" id="{8F849200-A12E-DE3A-1AF2-DC81353D7DB2}"/>
+                <a16:creationId xmlns:a16="http://schemas.microsoft.com/office/drawing/2014/main" id="{99270FA0-FA5A-CECF-0777-74B7B63B642C}"/>
               </a:ext>
             </a:extLst>
           </p:cNvPr>
@@ -1318,7 +1318,7 @@
           <p:cNvPr id="4" name="内容占位符 3">
             <a:extLst>
               <a:ext uri="{FF2B5EF4-FFF2-40B4-BE49-F238E27FC236}">
-                <a16:creationId xmlns:a16="http://schemas.microsoft.com/office/drawing/2014/main" id="{E64E7E6A-42E2-F1BC-8438-CD5216EE9D4D}"/>
+                <a16:creationId xmlns:a16="http://schemas.microsoft.com/office/drawing/2014/main" id="{444DDEC4-3760-EA16-2E9F-08B96281593D}"/>
               </a:ext>
             </a:extLst>
           </p:cNvPr>
@@ -1380,7 +1380,7 @@
           <p:cNvPr id="5" name="日期占位符 4">
             <a:extLst>
               <a:ext uri="{FF2B5EF4-FFF2-40B4-BE49-F238E27FC236}">
-                <a16:creationId xmlns:a16="http://schemas.microsoft.com/office/drawing/2014/main" id="{FD0088E8-9706-1D99-B2DA-075A9D507B3D}"/>
+                <a16:creationId xmlns:a16="http://schemas.microsoft.com/office/drawing/2014/main" id="{4D17B3E7-D254-92EE-CEF1-F869487F34B6}"/>
               </a:ext>
             </a:extLst>
           </p:cNvPr>
@@ -1396,7 +1396,7 @@
           <a:bodyPr/>
           <a:lstStyle/>
           <a:p>
-            <a:fld id="{1C1C2E01-1FBC-4B66-98FB-61EC8F4E5AD5}" type="datetimeFigureOut">
+            <a:fld id="{39B79C0F-DD95-42B5-B15E-1DD28A24F124}" type="datetimeFigureOut">
               <a:rPr lang="zh-CN" altLang="en-US" smtClean="0"/>
               <a:t>2024/3/10</a:t>
             </a:fld>
@@ -1409,7 +1409,7 @@
           <p:cNvPr id="6" name="页脚占位符 5">
             <a:extLst>
               <a:ext uri="{FF2B5EF4-FFF2-40B4-BE49-F238E27FC236}">
-                <a16:creationId xmlns:a16="http://schemas.microsoft.com/office/drawing/2014/main" id="{79BDB8DA-C8C1-2465-1AD7-C91704F9C61D}"/>
+                <a16:creationId xmlns:a16="http://schemas.microsoft.com/office/drawing/2014/main" id="{A0003E47-9AE2-4E45-8EAF-8BDD28697ED9}"/>
               </a:ext>
             </a:extLst>
           </p:cNvPr>
@@ -1434,7 +1434,7 @@
           <p:cNvPr id="7" name="灯片编号占位符 6">
             <a:extLst>
               <a:ext uri="{FF2B5EF4-FFF2-40B4-BE49-F238E27FC236}">
-                <a16:creationId xmlns:a16="http://schemas.microsoft.com/office/drawing/2014/main" id="{FCFD068B-A34B-28E9-5E46-FFA2D122E418}"/>
+                <a16:creationId xmlns:a16="http://schemas.microsoft.com/office/drawing/2014/main" id="{1376CD2E-A34F-64AD-CDD3-3263E2793B08}"/>
               </a:ext>
             </a:extLst>
           </p:cNvPr>
@@ -1450,7 +1450,7 @@
           <a:bodyPr/>
           <a:lstStyle/>
           <a:p>
-            <a:fld id="{787E1BD4-D010-4E41-907B-5CC9650609F2}" type="slidenum">
+            <a:fld id="{803B0F12-C325-49FA-A839-E084ABC02BA8}" type="slidenum">
               <a:rPr lang="zh-CN" altLang="en-US" smtClean="0"/>
               <a:t>‹#›</a:t>
             </a:fld>
@@ -1461,7 +1461,7 @@
     </p:spTree>
     <p:extLst>
       <p:ext uri="{BB962C8B-B14F-4D97-AF65-F5344CB8AC3E}">
-        <p14:creationId xmlns:p14="http://schemas.microsoft.com/office/powerpoint/2010/main" val="3922163469"/>
+        <p14:creationId xmlns:p14="http://schemas.microsoft.com/office/powerpoint/2010/main" val="2689056089"/>
       </p:ext>
     </p:extLst>
   </p:cSld>
@@ -1493,7 +1493,7 @@
           <p:cNvPr id="2" name="标题 1">
             <a:extLst>
               <a:ext uri="{FF2B5EF4-FFF2-40B4-BE49-F238E27FC236}">
-                <a16:creationId xmlns:a16="http://schemas.microsoft.com/office/drawing/2014/main" id="{84521A37-6B1F-DAD5-FC99-D584061BDD66}"/>
+                <a16:creationId xmlns:a16="http://schemas.microsoft.com/office/drawing/2014/main" id="{F1030461-25C0-81F7-7967-B60D2F14518A}"/>
               </a:ext>
             </a:extLst>
           </p:cNvPr>
@@ -1526,7 +1526,7 @@
           <p:cNvPr id="3" name="文本占位符 2">
             <a:extLst>
               <a:ext uri="{FF2B5EF4-FFF2-40B4-BE49-F238E27FC236}">
-                <a16:creationId xmlns:a16="http://schemas.microsoft.com/office/drawing/2014/main" id="{E519193A-CBE3-4EB1-45DB-B10F277C8039}"/>
+                <a16:creationId xmlns:a16="http://schemas.microsoft.com/office/drawing/2014/main" id="{522ACD19-CED9-8452-47D1-5FB40BA56A9B}"/>
               </a:ext>
             </a:extLst>
           </p:cNvPr>
@@ -1597,7 +1597,7 @@
           <p:cNvPr id="4" name="内容占位符 3">
             <a:extLst>
               <a:ext uri="{FF2B5EF4-FFF2-40B4-BE49-F238E27FC236}">
-                <a16:creationId xmlns:a16="http://schemas.microsoft.com/office/drawing/2014/main" id="{68D158A2-5DF1-6CAC-AE3A-7385DDD4676B}"/>
+                <a16:creationId xmlns:a16="http://schemas.microsoft.com/office/drawing/2014/main" id="{C66AE0BC-27DD-2367-2FA6-A01FF884930C}"/>
               </a:ext>
             </a:extLst>
           </p:cNvPr>
@@ -1659,7 +1659,7 @@
           <p:cNvPr id="5" name="文本占位符 4">
             <a:extLst>
               <a:ext uri="{FF2B5EF4-FFF2-40B4-BE49-F238E27FC236}">
-                <a16:creationId xmlns:a16="http://schemas.microsoft.com/office/drawing/2014/main" id="{0E25BF01-D239-2832-F50B-41A6D2CB4B6D}"/>
+                <a16:creationId xmlns:a16="http://schemas.microsoft.com/office/drawing/2014/main" id="{110DA78B-345A-12C4-DC4D-FBB14BBD31A5}"/>
               </a:ext>
             </a:extLst>
           </p:cNvPr>
@@ -1730,7 +1730,7 @@
           <p:cNvPr id="6" name="内容占位符 5">
             <a:extLst>
               <a:ext uri="{FF2B5EF4-FFF2-40B4-BE49-F238E27FC236}">
-                <a16:creationId xmlns:a16="http://schemas.microsoft.com/office/drawing/2014/main" id="{5B3C4516-71B4-D4EC-026A-2A7F30923895}"/>
+                <a16:creationId xmlns:a16="http://schemas.microsoft.com/office/drawing/2014/main" id="{F4ABDA47-5C2A-E160-72F9-638530913902}"/>
               </a:ext>
             </a:extLst>
           </p:cNvPr>
@@ -1792,7 +1792,7 @@
           <p:cNvPr id="7" name="日期占位符 6">
             <a:extLst>
               <a:ext uri="{FF2B5EF4-FFF2-40B4-BE49-F238E27FC236}">
-                <a16:creationId xmlns:a16="http://schemas.microsoft.com/office/drawing/2014/main" id="{3C0D3439-428C-9A6F-3394-AEF9A602F254}"/>
+                <a16:creationId xmlns:a16="http://schemas.microsoft.com/office/drawing/2014/main" id="{BDD5F68C-8DBC-6FCC-6CA0-1248128F6A3C}"/>
               </a:ext>
             </a:extLst>
           </p:cNvPr>
@@ -1808,7 +1808,7 @@
           <a:bodyPr/>
           <a:lstStyle/>
           <a:p>
-            <a:fld id="{1C1C2E01-1FBC-4B66-98FB-61EC8F4E5AD5}" type="datetimeFigureOut">
+            <a:fld id="{39B79C0F-DD95-42B5-B15E-1DD28A24F124}" type="datetimeFigureOut">
               <a:rPr lang="zh-CN" altLang="en-US" smtClean="0"/>
               <a:t>2024/3/10</a:t>
             </a:fld>
@@ -1821,7 +1821,7 @@
           <p:cNvPr id="8" name="页脚占位符 7">
             <a:extLst>
               <a:ext uri="{FF2B5EF4-FFF2-40B4-BE49-F238E27FC236}">
-                <a16:creationId xmlns:a16="http://schemas.microsoft.com/office/drawing/2014/main" id="{519F96A2-285D-DFAE-3246-40C80B340CE3}"/>
+                <a16:creationId xmlns:a16="http://schemas.microsoft.com/office/drawing/2014/main" id="{5C04D864-2323-7ED2-E9D7-8F1E59CEF23B}"/>
               </a:ext>
             </a:extLst>
           </p:cNvPr>
@@ -1846,7 +1846,7 @@
           <p:cNvPr id="9" name="灯片编号占位符 8">
             <a:extLst>
               <a:ext uri="{FF2B5EF4-FFF2-40B4-BE49-F238E27FC236}">
-                <a16:creationId xmlns:a16="http://schemas.microsoft.com/office/drawing/2014/main" id="{87A0535B-2BBC-4C7B-EF25-812D746E53E9}"/>
+                <a16:creationId xmlns:a16="http://schemas.microsoft.com/office/drawing/2014/main" id="{45E9A101-15D1-AFB6-1921-C9015B99D16E}"/>
               </a:ext>
             </a:extLst>
           </p:cNvPr>
@@ -1862,7 +1862,7 @@
           <a:bodyPr/>
           <a:lstStyle/>
           <a:p>
-            <a:fld id="{787E1BD4-D010-4E41-907B-5CC9650609F2}" type="slidenum">
+            <a:fld id="{803B0F12-C325-49FA-A839-E084ABC02BA8}" type="slidenum">
               <a:rPr lang="zh-CN" altLang="en-US" smtClean="0"/>
               <a:t>‹#›</a:t>
             </a:fld>
@@ -1873,7 +1873,7 @@
     </p:spTree>
     <p:extLst>
       <p:ext uri="{BB962C8B-B14F-4D97-AF65-F5344CB8AC3E}">
-        <p14:creationId xmlns:p14="http://schemas.microsoft.com/office/powerpoint/2010/main" val="2609863068"/>
+        <p14:creationId xmlns:p14="http://schemas.microsoft.com/office/powerpoint/2010/main" val="4148753605"/>
       </p:ext>
     </p:extLst>
   </p:cSld>
@@ -1905,7 +1905,7 @@
           <p:cNvPr id="2" name="标题 1">
             <a:extLst>
               <a:ext uri="{FF2B5EF4-FFF2-40B4-BE49-F238E27FC236}">
-                <a16:creationId xmlns:a16="http://schemas.microsoft.com/office/drawing/2014/main" id="{4D5C7671-9568-6F21-C46C-71CCE42A77A3}"/>
+                <a16:creationId xmlns:a16="http://schemas.microsoft.com/office/drawing/2014/main" id="{2488E5D0-D009-E815-6CB5-760497404DA0}"/>
               </a:ext>
             </a:extLst>
           </p:cNvPr>
@@ -1933,7 +1933,7 @@
           <p:cNvPr id="3" name="日期占位符 2">
             <a:extLst>
               <a:ext uri="{FF2B5EF4-FFF2-40B4-BE49-F238E27FC236}">
-                <a16:creationId xmlns:a16="http://schemas.microsoft.com/office/drawing/2014/main" id="{72C5A3FE-FFB5-3F7F-CFBC-3363EFDA158C}"/>
+                <a16:creationId xmlns:a16="http://schemas.microsoft.com/office/drawing/2014/main" id="{DA26191D-5989-895A-A671-92A48FB6D08B}"/>
               </a:ext>
             </a:extLst>
           </p:cNvPr>
@@ -1949,7 +1949,7 @@
           <a:bodyPr/>
           <a:lstStyle/>
           <a:p>
-            <a:fld id="{1C1C2E01-1FBC-4B66-98FB-61EC8F4E5AD5}" type="datetimeFigureOut">
+            <a:fld id="{39B79C0F-DD95-42B5-B15E-1DD28A24F124}" type="datetimeFigureOut">
               <a:rPr lang="zh-CN" altLang="en-US" smtClean="0"/>
               <a:t>2024/3/10</a:t>
             </a:fld>
@@ -1962,7 +1962,7 @@
           <p:cNvPr id="4" name="页脚占位符 3">
             <a:extLst>
               <a:ext uri="{FF2B5EF4-FFF2-40B4-BE49-F238E27FC236}">
-                <a16:creationId xmlns:a16="http://schemas.microsoft.com/office/drawing/2014/main" id="{739AB257-0B9E-B1C3-8E0A-2B4987B0E64A}"/>
+                <a16:creationId xmlns:a16="http://schemas.microsoft.com/office/drawing/2014/main" id="{BE2830B4-6026-D2AA-0E92-2994D74A6EF1}"/>
               </a:ext>
             </a:extLst>
           </p:cNvPr>
@@ -1987,7 +1987,7 @@
           <p:cNvPr id="5" name="灯片编号占位符 4">
             <a:extLst>
               <a:ext uri="{FF2B5EF4-FFF2-40B4-BE49-F238E27FC236}">
-                <a16:creationId xmlns:a16="http://schemas.microsoft.com/office/drawing/2014/main" id="{2D1C14E6-62C1-EF7A-C51C-74ECD9EE35A2}"/>
+                <a16:creationId xmlns:a16="http://schemas.microsoft.com/office/drawing/2014/main" id="{E0A50794-881F-943D-6E0A-7819900AA0C0}"/>
               </a:ext>
             </a:extLst>
           </p:cNvPr>
@@ -2003,7 +2003,7 @@
           <a:bodyPr/>
           <a:lstStyle/>
           <a:p>
-            <a:fld id="{787E1BD4-D010-4E41-907B-5CC9650609F2}" type="slidenum">
+            <a:fld id="{803B0F12-C325-49FA-A839-E084ABC02BA8}" type="slidenum">
               <a:rPr lang="zh-CN" altLang="en-US" smtClean="0"/>
               <a:t>‹#›</a:t>
             </a:fld>
@@ -2014,7 +2014,7 @@
     </p:spTree>
     <p:extLst>
       <p:ext uri="{BB962C8B-B14F-4D97-AF65-F5344CB8AC3E}">
-        <p14:creationId xmlns:p14="http://schemas.microsoft.com/office/powerpoint/2010/main" val="2136885707"/>
+        <p14:creationId xmlns:p14="http://schemas.microsoft.com/office/powerpoint/2010/main" val="1673084438"/>
       </p:ext>
     </p:extLst>
   </p:cSld>
@@ -2046,7 +2046,7 @@
           <p:cNvPr id="2" name="日期占位符 1">
             <a:extLst>
               <a:ext uri="{FF2B5EF4-FFF2-40B4-BE49-F238E27FC236}">
-                <a16:creationId xmlns:a16="http://schemas.microsoft.com/office/drawing/2014/main" id="{2144C83A-5C59-ABE2-D241-330CE143EDD8}"/>
+                <a16:creationId xmlns:a16="http://schemas.microsoft.com/office/drawing/2014/main" id="{9459C350-710B-852C-D136-2517B9531685}"/>
               </a:ext>
             </a:extLst>
           </p:cNvPr>
@@ -2062,7 +2062,7 @@
           <a:bodyPr/>
           <a:lstStyle/>
           <a:p>
-            <a:fld id="{1C1C2E01-1FBC-4B66-98FB-61EC8F4E5AD5}" type="datetimeFigureOut">
+            <a:fld id="{39B79C0F-DD95-42B5-B15E-1DD28A24F124}" type="datetimeFigureOut">
               <a:rPr lang="zh-CN" altLang="en-US" smtClean="0"/>
               <a:t>2024/3/10</a:t>
             </a:fld>
@@ -2075,7 +2075,7 @@
           <p:cNvPr id="3" name="页脚占位符 2">
             <a:extLst>
               <a:ext uri="{FF2B5EF4-FFF2-40B4-BE49-F238E27FC236}">
-                <a16:creationId xmlns:a16="http://schemas.microsoft.com/office/drawing/2014/main" id="{3A845B9A-91BA-44E2-D709-7DB9BD375589}"/>
+                <a16:creationId xmlns:a16="http://schemas.microsoft.com/office/drawing/2014/main" id="{2ABDB0F3-15FB-F530-6901-765684668FB8}"/>
               </a:ext>
             </a:extLst>
           </p:cNvPr>
@@ -2100,7 +2100,7 @@
           <p:cNvPr id="4" name="灯片编号占位符 3">
             <a:extLst>
               <a:ext uri="{FF2B5EF4-FFF2-40B4-BE49-F238E27FC236}">
-                <a16:creationId xmlns:a16="http://schemas.microsoft.com/office/drawing/2014/main" id="{928C7EAF-5915-DF5E-B2F2-74BCBA55A303}"/>
+                <a16:creationId xmlns:a16="http://schemas.microsoft.com/office/drawing/2014/main" id="{5E6E47A9-06A6-6C6D-8626-81C346A6A3A7}"/>
               </a:ext>
             </a:extLst>
           </p:cNvPr>
@@ -2116,7 +2116,7 @@
           <a:bodyPr/>
           <a:lstStyle/>
           <a:p>
-            <a:fld id="{787E1BD4-D010-4E41-907B-5CC9650609F2}" type="slidenum">
+            <a:fld id="{803B0F12-C325-49FA-A839-E084ABC02BA8}" type="slidenum">
               <a:rPr lang="zh-CN" altLang="en-US" smtClean="0"/>
               <a:t>‹#›</a:t>
             </a:fld>
@@ -2127,7 +2127,7 @@
     </p:spTree>
     <p:extLst>
       <p:ext uri="{BB962C8B-B14F-4D97-AF65-F5344CB8AC3E}">
-        <p14:creationId xmlns:p14="http://schemas.microsoft.com/office/powerpoint/2010/main" val="3854772673"/>
+        <p14:creationId xmlns:p14="http://schemas.microsoft.com/office/powerpoint/2010/main" val="2901415732"/>
       </p:ext>
     </p:extLst>
   </p:cSld>
@@ -2159,7 +2159,7 @@
           <p:cNvPr id="2" name="标题 1">
             <a:extLst>
               <a:ext uri="{FF2B5EF4-FFF2-40B4-BE49-F238E27FC236}">
-                <a16:creationId xmlns:a16="http://schemas.microsoft.com/office/drawing/2014/main" id="{ABA976AE-5505-D9A5-37AF-324C0EAE8737}"/>
+                <a16:creationId xmlns:a16="http://schemas.microsoft.com/office/drawing/2014/main" id="{55F73D24-D9EC-A338-CD41-604104DC5C4F}"/>
               </a:ext>
             </a:extLst>
           </p:cNvPr>
@@ -2196,7 +2196,7 @@
           <p:cNvPr id="3" name="内容占位符 2">
             <a:extLst>
               <a:ext uri="{FF2B5EF4-FFF2-40B4-BE49-F238E27FC236}">
-                <a16:creationId xmlns:a16="http://schemas.microsoft.com/office/drawing/2014/main" id="{80C9339A-E673-E499-B764-5C64D1CA7722}"/>
+                <a16:creationId xmlns:a16="http://schemas.microsoft.com/office/drawing/2014/main" id="{C8B1ED36-CA8A-FDBA-F75B-0A0897526D1E}"/>
               </a:ext>
             </a:extLst>
           </p:cNvPr>
@@ -2286,7 +2286,7 @@
           <p:cNvPr id="4" name="文本占位符 3">
             <a:extLst>
               <a:ext uri="{FF2B5EF4-FFF2-40B4-BE49-F238E27FC236}">
-                <a16:creationId xmlns:a16="http://schemas.microsoft.com/office/drawing/2014/main" id="{4CDAEF91-CAB3-1E52-F49C-2016814B7818}"/>
+                <a16:creationId xmlns:a16="http://schemas.microsoft.com/office/drawing/2014/main" id="{8E3BCC61-DE93-B098-23E6-B3D596B6C1AA}"/>
               </a:ext>
             </a:extLst>
           </p:cNvPr>
@@ -2357,7 +2357,7 @@
           <p:cNvPr id="5" name="日期占位符 4">
             <a:extLst>
               <a:ext uri="{FF2B5EF4-FFF2-40B4-BE49-F238E27FC236}">
-                <a16:creationId xmlns:a16="http://schemas.microsoft.com/office/drawing/2014/main" id="{0E1820EC-0C61-FF5B-62D5-F73D0E9F0C32}"/>
+                <a16:creationId xmlns:a16="http://schemas.microsoft.com/office/drawing/2014/main" id="{74A7D6C7-DEDD-0291-846E-B16568AA2929}"/>
               </a:ext>
             </a:extLst>
           </p:cNvPr>
@@ -2373,7 +2373,7 @@
           <a:bodyPr/>
           <a:lstStyle/>
           <a:p>
-            <a:fld id="{1C1C2E01-1FBC-4B66-98FB-61EC8F4E5AD5}" type="datetimeFigureOut">
+            <a:fld id="{39B79C0F-DD95-42B5-B15E-1DD28A24F124}" type="datetimeFigureOut">
               <a:rPr lang="zh-CN" altLang="en-US" smtClean="0"/>
               <a:t>2024/3/10</a:t>
             </a:fld>
@@ -2386,7 +2386,7 @@
           <p:cNvPr id="6" name="页脚占位符 5">
             <a:extLst>
               <a:ext uri="{FF2B5EF4-FFF2-40B4-BE49-F238E27FC236}">
-                <a16:creationId xmlns:a16="http://schemas.microsoft.com/office/drawing/2014/main" id="{F55A9009-7937-7C16-7051-D85D9AA626FD}"/>
+                <a16:creationId xmlns:a16="http://schemas.microsoft.com/office/drawing/2014/main" id="{946386E7-2541-846F-07A2-CD9E89D2291E}"/>
               </a:ext>
             </a:extLst>
           </p:cNvPr>
@@ -2411,7 +2411,7 @@
           <p:cNvPr id="7" name="灯片编号占位符 6">
             <a:extLst>
               <a:ext uri="{FF2B5EF4-FFF2-40B4-BE49-F238E27FC236}">
-                <a16:creationId xmlns:a16="http://schemas.microsoft.com/office/drawing/2014/main" id="{7C21F0E1-C6DE-5316-FF36-AB67CE8A9157}"/>
+                <a16:creationId xmlns:a16="http://schemas.microsoft.com/office/drawing/2014/main" id="{82F3190F-B5D1-98F3-2EC6-498C80F493A9}"/>
               </a:ext>
             </a:extLst>
           </p:cNvPr>
@@ -2427,7 +2427,7 @@
           <a:bodyPr/>
           <a:lstStyle/>
           <a:p>
-            <a:fld id="{787E1BD4-D010-4E41-907B-5CC9650609F2}" type="slidenum">
+            <a:fld id="{803B0F12-C325-49FA-A839-E084ABC02BA8}" type="slidenum">
               <a:rPr lang="zh-CN" altLang="en-US" smtClean="0"/>
               <a:t>‹#›</a:t>
             </a:fld>
@@ -2438,7 +2438,7 @@
     </p:spTree>
     <p:extLst>
       <p:ext uri="{BB962C8B-B14F-4D97-AF65-F5344CB8AC3E}">
-        <p14:creationId xmlns:p14="http://schemas.microsoft.com/office/powerpoint/2010/main" val="1404484830"/>
+        <p14:creationId xmlns:p14="http://schemas.microsoft.com/office/powerpoint/2010/main" val="49597258"/>
       </p:ext>
     </p:extLst>
   </p:cSld>
@@ -2470,7 +2470,7 @@
           <p:cNvPr id="2" name="标题 1">
             <a:extLst>
               <a:ext uri="{FF2B5EF4-FFF2-40B4-BE49-F238E27FC236}">
-                <a16:creationId xmlns:a16="http://schemas.microsoft.com/office/drawing/2014/main" id="{107D8F5B-8416-401D-96D7-3339FC8A53C3}"/>
+                <a16:creationId xmlns:a16="http://schemas.microsoft.com/office/drawing/2014/main" id="{1D2D2574-BDB2-D6CE-402E-64C358D22E4D}"/>
               </a:ext>
             </a:extLst>
           </p:cNvPr>
@@ -2507,7 +2507,7 @@
           <p:cNvPr id="3" name="图片占位符 2">
             <a:extLst>
               <a:ext uri="{FF2B5EF4-FFF2-40B4-BE49-F238E27FC236}">
-                <a16:creationId xmlns:a16="http://schemas.microsoft.com/office/drawing/2014/main" id="{F66F29AA-2382-2C60-0968-A62011BAD59D}"/>
+                <a16:creationId xmlns:a16="http://schemas.microsoft.com/office/drawing/2014/main" id="{9BC91202-9785-E02F-EBB0-346922242FDE}"/>
               </a:ext>
             </a:extLst>
           </p:cNvPr>
@@ -2574,7 +2574,7 @@
           <p:cNvPr id="4" name="文本占位符 3">
             <a:extLst>
               <a:ext uri="{FF2B5EF4-FFF2-40B4-BE49-F238E27FC236}">
-                <a16:creationId xmlns:a16="http://schemas.microsoft.com/office/drawing/2014/main" id="{AD2EB6C9-8DE9-B39D-DCED-8D34F381EEAC}"/>
+                <a16:creationId xmlns:a16="http://schemas.microsoft.com/office/drawing/2014/main" id="{BCBE3ACD-727E-2887-B8ED-72EF894C31C8}"/>
               </a:ext>
             </a:extLst>
           </p:cNvPr>
@@ -2645,7 +2645,7 @@
           <p:cNvPr id="5" name="日期占位符 4">
             <a:extLst>
               <a:ext uri="{FF2B5EF4-FFF2-40B4-BE49-F238E27FC236}">
-                <a16:creationId xmlns:a16="http://schemas.microsoft.com/office/drawing/2014/main" id="{67F14B42-FD45-4057-F153-7C32D37A9F9F}"/>
+                <a16:creationId xmlns:a16="http://schemas.microsoft.com/office/drawing/2014/main" id="{94C8D9AE-01AF-EF70-75BE-374CBB56A871}"/>
               </a:ext>
             </a:extLst>
           </p:cNvPr>
@@ -2661,7 +2661,7 @@
           <a:bodyPr/>
           <a:lstStyle/>
           <a:p>
-            <a:fld id="{1C1C2E01-1FBC-4B66-98FB-61EC8F4E5AD5}" type="datetimeFigureOut">
+            <a:fld id="{39B79C0F-DD95-42B5-B15E-1DD28A24F124}" type="datetimeFigureOut">
               <a:rPr lang="zh-CN" altLang="en-US" smtClean="0"/>
               <a:t>2024/3/10</a:t>
             </a:fld>
@@ -2674,7 +2674,7 @@
           <p:cNvPr id="6" name="页脚占位符 5">
             <a:extLst>
               <a:ext uri="{FF2B5EF4-FFF2-40B4-BE49-F238E27FC236}">
-                <a16:creationId xmlns:a16="http://schemas.microsoft.com/office/drawing/2014/main" id="{6527544E-66BD-62F3-53E9-8F10D8544B14}"/>
+                <a16:creationId xmlns:a16="http://schemas.microsoft.com/office/drawing/2014/main" id="{24F2CCAA-CAFE-BAB1-0CAC-5A06BBCCF19C}"/>
               </a:ext>
             </a:extLst>
           </p:cNvPr>
@@ -2699,7 +2699,7 @@
           <p:cNvPr id="7" name="灯片编号占位符 6">
             <a:extLst>
               <a:ext uri="{FF2B5EF4-FFF2-40B4-BE49-F238E27FC236}">
-                <a16:creationId xmlns:a16="http://schemas.microsoft.com/office/drawing/2014/main" id="{36470EA1-12D2-1210-3802-CCA970D2A011}"/>
+                <a16:creationId xmlns:a16="http://schemas.microsoft.com/office/drawing/2014/main" id="{72F74146-9683-058D-1CA0-CB460067392B}"/>
               </a:ext>
             </a:extLst>
           </p:cNvPr>
@@ -2715,7 +2715,7 @@
           <a:bodyPr/>
           <a:lstStyle/>
           <a:p>
-            <a:fld id="{787E1BD4-D010-4E41-907B-5CC9650609F2}" type="slidenum">
+            <a:fld id="{803B0F12-C325-49FA-A839-E084ABC02BA8}" type="slidenum">
               <a:rPr lang="zh-CN" altLang="en-US" smtClean="0"/>
               <a:t>‹#›</a:t>
             </a:fld>
@@ -2726,7 +2726,7 @@
     </p:spTree>
     <p:extLst>
       <p:ext uri="{BB962C8B-B14F-4D97-AF65-F5344CB8AC3E}">
-        <p14:creationId xmlns:p14="http://schemas.microsoft.com/office/powerpoint/2010/main" val="480558544"/>
+        <p14:creationId xmlns:p14="http://schemas.microsoft.com/office/powerpoint/2010/main" val="3235259751"/>
       </p:ext>
     </p:extLst>
   </p:cSld>
@@ -2763,7 +2763,7 @@
           <p:cNvPr id="2" name="标题占位符 1">
             <a:extLst>
               <a:ext uri="{FF2B5EF4-FFF2-40B4-BE49-F238E27FC236}">
-                <a16:creationId xmlns:a16="http://schemas.microsoft.com/office/drawing/2014/main" id="{C90FD82B-B455-F040-1BF7-A42FC37B2544}"/>
+                <a16:creationId xmlns:a16="http://schemas.microsoft.com/office/drawing/2014/main" id="{BDD48626-A11C-DEC4-B8C8-600730AF87AF}"/>
               </a:ext>
             </a:extLst>
           </p:cNvPr>
@@ -2801,7 +2801,7 @@
           <p:cNvPr id="3" name="文本占位符 2">
             <a:extLst>
               <a:ext uri="{FF2B5EF4-FFF2-40B4-BE49-F238E27FC236}">
-                <a16:creationId xmlns:a16="http://schemas.microsoft.com/office/drawing/2014/main" id="{269EA6E8-30D9-2DC1-961C-D2C70675731B}"/>
+                <a16:creationId xmlns:a16="http://schemas.microsoft.com/office/drawing/2014/main" id="{F77462A8-F44C-0CEE-0611-639D513DDB2C}"/>
               </a:ext>
             </a:extLst>
           </p:cNvPr>
@@ -2868,7 +2868,7 @@
           <p:cNvPr id="4" name="日期占位符 3">
             <a:extLst>
               <a:ext uri="{FF2B5EF4-FFF2-40B4-BE49-F238E27FC236}">
-                <a16:creationId xmlns:a16="http://schemas.microsoft.com/office/drawing/2014/main" id="{C7570011-52B6-0B34-A9D4-969EEDAF9829}"/>
+                <a16:creationId xmlns:a16="http://schemas.microsoft.com/office/drawing/2014/main" id="{F51BE93A-AE2D-2358-926F-03B187AD1A6F}"/>
               </a:ext>
             </a:extLst>
           </p:cNvPr>
@@ -2902,7 +2902,7 @@
             </a:lvl1pPr>
           </a:lstStyle>
           <a:p>
-            <a:fld id="{1C1C2E01-1FBC-4B66-98FB-61EC8F4E5AD5}" type="datetimeFigureOut">
+            <a:fld id="{39B79C0F-DD95-42B5-B15E-1DD28A24F124}" type="datetimeFigureOut">
               <a:rPr lang="zh-CN" altLang="en-US" smtClean="0"/>
               <a:t>2024/3/10</a:t>
             </a:fld>
@@ -2915,7 +2915,7 @@
           <p:cNvPr id="5" name="页脚占位符 4">
             <a:extLst>
               <a:ext uri="{FF2B5EF4-FFF2-40B4-BE49-F238E27FC236}">
-                <a16:creationId xmlns:a16="http://schemas.microsoft.com/office/drawing/2014/main" id="{02312FE1-A690-21D9-2911-FA188E79B6DF}"/>
+                <a16:creationId xmlns:a16="http://schemas.microsoft.com/office/drawing/2014/main" id="{EC5C66D2-DC81-F86B-88FA-4C69C60CCA51}"/>
               </a:ext>
             </a:extLst>
           </p:cNvPr>
@@ -2958,7 +2958,7 @@
           <p:cNvPr id="6" name="灯片编号占位符 5">
             <a:extLst>
               <a:ext uri="{FF2B5EF4-FFF2-40B4-BE49-F238E27FC236}">
-                <a16:creationId xmlns:a16="http://schemas.microsoft.com/office/drawing/2014/main" id="{94E1E77F-C00F-3600-DF3D-540C8648B33A}"/>
+                <a16:creationId xmlns:a16="http://schemas.microsoft.com/office/drawing/2014/main" id="{0313A7F3-A76C-7295-4E45-3A697912FAF2}"/>
               </a:ext>
             </a:extLst>
           </p:cNvPr>
@@ -2992,7 +2992,7 @@
             </a:lvl1pPr>
           </a:lstStyle>
           <a:p>
-            <a:fld id="{787E1BD4-D010-4E41-907B-5CC9650609F2}" type="slidenum">
+            <a:fld id="{803B0F12-C325-49FA-A839-E084ABC02BA8}" type="slidenum">
               <a:rPr lang="zh-CN" altLang="en-US" smtClean="0"/>
               <a:t>‹#›</a:t>
             </a:fld>
@@ -3003,7 +3003,7 @@
     </p:spTree>
     <p:extLst>
       <p:ext uri="{BB962C8B-B14F-4D97-AF65-F5344CB8AC3E}">
-        <p14:creationId xmlns:p14="http://schemas.microsoft.com/office/powerpoint/2010/main" val="821538591"/>
+        <p14:creationId xmlns:p14="http://schemas.microsoft.com/office/powerpoint/2010/main" val="2040074864"/>
       </p:ext>
     </p:extLst>
   </p:cSld>
